--- a/test/original/sample2.pptx
+++ b/test/original/sample2.pptx
@@ -260,7 +260,7 @@
           <a:p>
             <a:fld id="{766D20D2-48C5-4420-B145-354427682592}" type="datetimeFigureOut">
               <a:rPr kumimoji="1" lang="ja-JP" altLang="en-US" smtClean="0"/>
-              <a:t>2023/3/17</a:t>
+              <a:t>2023/3/27</a:t>
             </a:fld>
             <a:endParaRPr kumimoji="1" lang="ja-JP" altLang="en-US"/>
           </a:p>
@@ -490,7 +490,7 @@
           <a:p>
             <a:fld id="{766D20D2-48C5-4420-B145-354427682592}" type="datetimeFigureOut">
               <a:rPr kumimoji="1" lang="ja-JP" altLang="en-US" smtClean="0"/>
-              <a:t>2023/3/17</a:t>
+              <a:t>2023/3/27</a:t>
             </a:fld>
             <a:endParaRPr kumimoji="1" lang="ja-JP" altLang="en-US"/>
           </a:p>
@@ -730,7 +730,7 @@
           <a:p>
             <a:fld id="{766D20D2-48C5-4420-B145-354427682592}" type="datetimeFigureOut">
               <a:rPr kumimoji="1" lang="ja-JP" altLang="en-US" smtClean="0"/>
-              <a:t>2023/3/17</a:t>
+              <a:t>2023/3/27</a:t>
             </a:fld>
             <a:endParaRPr kumimoji="1" lang="ja-JP" altLang="en-US"/>
           </a:p>
@@ -960,7 +960,7 @@
           <a:p>
             <a:fld id="{766D20D2-48C5-4420-B145-354427682592}" type="datetimeFigureOut">
               <a:rPr kumimoji="1" lang="ja-JP" altLang="en-US" smtClean="0"/>
-              <a:t>2023/3/17</a:t>
+              <a:t>2023/3/27</a:t>
             </a:fld>
             <a:endParaRPr kumimoji="1" lang="ja-JP" altLang="en-US"/>
           </a:p>
@@ -1235,7 +1235,7 @@
           <a:p>
             <a:fld id="{766D20D2-48C5-4420-B145-354427682592}" type="datetimeFigureOut">
               <a:rPr kumimoji="1" lang="ja-JP" altLang="en-US" smtClean="0"/>
-              <a:t>2023/3/17</a:t>
+              <a:t>2023/3/27</a:t>
             </a:fld>
             <a:endParaRPr kumimoji="1" lang="ja-JP" altLang="en-US"/>
           </a:p>
@@ -1564,7 +1564,7 @@
           <a:p>
             <a:fld id="{766D20D2-48C5-4420-B145-354427682592}" type="datetimeFigureOut">
               <a:rPr kumimoji="1" lang="ja-JP" altLang="en-US" smtClean="0"/>
-              <a:t>2023/3/17</a:t>
+              <a:t>2023/3/27</a:t>
             </a:fld>
             <a:endParaRPr kumimoji="1" lang="ja-JP" altLang="en-US"/>
           </a:p>
@@ -2040,7 +2040,7 @@
           <a:p>
             <a:fld id="{766D20D2-48C5-4420-B145-354427682592}" type="datetimeFigureOut">
               <a:rPr kumimoji="1" lang="ja-JP" altLang="en-US" smtClean="0"/>
-              <a:t>2023/3/17</a:t>
+              <a:t>2023/3/27</a:t>
             </a:fld>
             <a:endParaRPr kumimoji="1" lang="ja-JP" altLang="en-US"/>
           </a:p>
@@ -2181,7 +2181,7 @@
           <a:p>
             <a:fld id="{766D20D2-48C5-4420-B145-354427682592}" type="datetimeFigureOut">
               <a:rPr kumimoji="1" lang="ja-JP" altLang="en-US" smtClean="0"/>
-              <a:t>2023/3/17</a:t>
+              <a:t>2023/3/27</a:t>
             </a:fld>
             <a:endParaRPr kumimoji="1" lang="ja-JP" altLang="en-US"/>
           </a:p>
@@ -2294,7 +2294,7 @@
           <a:p>
             <a:fld id="{766D20D2-48C5-4420-B145-354427682592}" type="datetimeFigureOut">
               <a:rPr kumimoji="1" lang="ja-JP" altLang="en-US" smtClean="0"/>
-              <a:t>2023/3/17</a:t>
+              <a:t>2023/3/27</a:t>
             </a:fld>
             <a:endParaRPr kumimoji="1" lang="ja-JP" altLang="en-US"/>
           </a:p>
@@ -2637,7 +2637,7 @@
           <a:p>
             <a:fld id="{766D20D2-48C5-4420-B145-354427682592}" type="datetimeFigureOut">
               <a:rPr kumimoji="1" lang="ja-JP" altLang="en-US" smtClean="0"/>
-              <a:t>2023/3/17</a:t>
+              <a:t>2023/3/27</a:t>
             </a:fld>
             <a:endParaRPr kumimoji="1" lang="ja-JP" altLang="en-US"/>
           </a:p>
@@ -2925,7 +2925,7 @@
           <a:p>
             <a:fld id="{766D20D2-48C5-4420-B145-354427682592}" type="datetimeFigureOut">
               <a:rPr kumimoji="1" lang="ja-JP" altLang="en-US" smtClean="0"/>
-              <a:t>2023/3/17</a:t>
+              <a:t>2023/3/27</a:t>
             </a:fld>
             <a:endParaRPr kumimoji="1" lang="ja-JP" altLang="en-US"/>
           </a:p>
@@ -3198,7 +3198,7 @@
           <a:p>
             <a:fld id="{766D20D2-48C5-4420-B145-354427682592}" type="datetimeFigureOut">
               <a:rPr kumimoji="1" lang="ja-JP" altLang="en-US" smtClean="0"/>
-              <a:t>2023/3/17</a:t>
+              <a:t>2023/3/27</a:t>
             </a:fld>
             <a:endParaRPr kumimoji="1" lang="ja-JP" altLang="en-US"/>
           </a:p>
@@ -3883,33 +3883,28 @@
         </p:nvSpPr>
         <p:spPr/>
         <p:txBody>
-          <a:bodyPr/>
+          <a:bodyPr vert="horz" lIns="91440" tIns="45720" rIns="91440" bIns="45720" rtlCol="0" anchor="ctr">
+            <a:normAutofit/>
+          </a:bodyPr>
           <a:lstStyle/>
           <a:p>
             <a:r>
               <a:rPr lang="ja-JP" altLang="en-US" dirty="0">
                 <a:latin typeface="Constantia" panose="02030602050306030303" pitchFamily="18" charset="0"/>
-                <a:ea typeface="HGS明朝E" panose="02020900000000000000" pitchFamily="18" charset="-128"/>
+                <a:ea typeface="HG明朝E" panose="02020909000000000000" pitchFamily="17" charset="-128"/>
               </a:rPr>
-              <a:t>表</a:t>
-            </a:r>
-            <a:r>
-              <a:rPr lang="ja-JP" altLang="en-US" dirty="0">
-                <a:latin typeface="Constantia" panose="02030602050306030303" pitchFamily="18" charset="0"/>
-                <a:ea typeface="+mn-ea"/>
-              </a:rPr>
-              <a:t>の</a:t>
+              <a:t>表の</a:t>
             </a:r>
             <a:r>
               <a:rPr lang="en-US" altLang="ja-JP" dirty="0">
                 <a:latin typeface="Constantia" panose="02030602050306030303" pitchFamily="18" charset="0"/>
-                <a:ea typeface="+mn-ea"/>
+                <a:ea typeface="HG明朝E" panose="02020909000000000000" pitchFamily="17" charset="-128"/>
               </a:rPr>
               <a:t>Test</a:t>
             </a:r>
             <a:endParaRPr lang="ja-JP" altLang="en-US" dirty="0">
               <a:latin typeface="Constantia" panose="02030602050306030303" pitchFamily="18" charset="0"/>
-              <a:ea typeface="+mn-ea"/>
+              <a:ea typeface="HG明朝E" panose="02020909000000000000" pitchFamily="17" charset="-128"/>
             </a:endParaRPr>
           </a:p>
         </p:txBody>
